--- a/apresentacoes/Santander Dev Week.pptx
+++ b/apresentacoes/Santander Dev Week.pptx
@@ -279,7 +279,7 @@
       </p15:sldGuideLst>
     </p:ext>
     <p:ext uri="http://customooxmlschemas.google.com/">
-      <go:slidesCustomData xmlns="" xmlns:mc="http://schemas.openxmlformats.org/markup-compatibility/2006" xmlns:mv="urn:schemas-microsoft-com:mac:vml" xmlns:c="http://schemas.openxmlformats.org/drawingml/2006/chart" xmlns:dgm="http://schemas.openxmlformats.org/drawingml/2006/diagram" xmlns:o="urn:schemas-microsoft-com:office:office" xmlns:v="urn:schemas-microsoft-com:vml" xmlns:pvml="urn:schemas-microsoft-com:office:powerpoint" xmlns:com="http://schemas.openxmlformats.org/drawingml/2006/compatibility" xmlns:p14="http://schemas.microsoft.com/office/powerpoint/2010/main" xmlns:p15="http://schemas.microsoft.com/office/powerpoint/2012/main" xmlns:ahyp="http://schemas.microsoft.com/office/drawing/2018/hyperlinkcolor" xmlns:go="http://customooxmlschemas.google.com/" r:id="rId34" roundtripDataSignature="AMtx7mgtC6RReGa0UWk9iwQjmNzrBPMGWQ=="/>
+      <go:slidesCustomData xmlns:go="http://customooxmlschemas.google.com/" xmlns:ahyp="http://schemas.microsoft.com/office/drawing/2018/hyperlinkcolor" xmlns:p15="http://schemas.microsoft.com/office/powerpoint/2012/main" xmlns:p14="http://schemas.microsoft.com/office/powerpoint/2010/main" xmlns:com="http://schemas.openxmlformats.org/drawingml/2006/compatibility" xmlns:pvml="urn:schemas-microsoft-com:office:powerpoint" xmlns:v="urn:schemas-microsoft-com:vml" xmlns:o="urn:schemas-microsoft-com:office:office" xmlns:dgm="http://schemas.openxmlformats.org/drawingml/2006/diagram" xmlns:c="http://schemas.openxmlformats.org/drawingml/2006/chart" xmlns:mv="urn:schemas-microsoft-com:mac:vml" xmlns:mc="http://schemas.openxmlformats.org/markup-compatibility/2006" xmlns="" r:id="rId34" roundtripDataSignature="AMtx7mgtC6RReGa0UWk9iwQjmNzrBPMGWQ=="/>
     </p:ext>
   </p:extLst>
 </p:presentation>
@@ -3193,7 +3193,7 @@
         <p:spPr>
           <a:xfrm>
             <a:off x="1758511" y="3223150"/>
-            <a:ext cx="2964900" cy="398700"/>
+            <a:ext cx="3529106" cy="398700"/>
           </a:xfrm>
           <a:prstGeom prst="rect">
             <a:avLst/>
@@ -3248,7 +3248,19 @@
                 <a:cs typeface="Calibri"/>
                 <a:sym typeface="Calibri"/>
               </a:rPr>
-              <a:t> Santander</a:t>
+              <a:t> Santander </a:t>
+            </a:r>
+            <a:r>
+              <a:rPr lang="en-US" sz="2400" i="0" u="none" strike="noStrike" cap="none" dirty="0" err="1">
+                <a:solidFill>
+                  <a:schemeClr val="lt1"/>
+                </a:solidFill>
+                <a:latin typeface="Calibri"/>
+                <a:ea typeface="Calibri"/>
+                <a:cs typeface="Calibri"/>
+                <a:sym typeface="Calibri"/>
+              </a:rPr>
+              <a:t>Universidade</a:t>
             </a:r>
             <a:endParaRPr sz="1400" b="1" i="0" u="none" strike="noStrike" cap="none" dirty="0">
               <a:solidFill>
@@ -3463,7 +3475,7 @@
         <p:fade/>
       </p:transition>
     </mc:Choice>
-    <mc:Fallback xmlns="" xmlns:mv="urn:schemas-microsoft-com:mac:vml" xmlns:c="http://schemas.openxmlformats.org/drawingml/2006/chart" xmlns:dgm="http://schemas.openxmlformats.org/drawingml/2006/diagram" xmlns:o="urn:schemas-microsoft-com:office:office" xmlns:v="urn:schemas-microsoft-com:vml" xmlns:pvml="urn:schemas-microsoft-com:office:powerpoint" xmlns:com="http://schemas.openxmlformats.org/drawingml/2006/compatibility" xmlns:p15="http://schemas.microsoft.com/office/powerpoint/2012/main" xmlns:ahyp="http://schemas.microsoft.com/office/drawing/2018/hyperlinkcolor">
+    <mc:Fallback xmlns:ahyp="http://schemas.microsoft.com/office/drawing/2018/hyperlinkcolor" xmlns:p15="http://schemas.microsoft.com/office/powerpoint/2012/main" xmlns:com="http://schemas.openxmlformats.org/drawingml/2006/compatibility" xmlns:pvml="urn:schemas-microsoft-com:office:powerpoint" xmlns:v="urn:schemas-microsoft-com:vml" xmlns:o="urn:schemas-microsoft-com:office:office" xmlns:dgm="http://schemas.openxmlformats.org/drawingml/2006/diagram" xmlns:c="http://schemas.openxmlformats.org/drawingml/2006/chart" xmlns:mv="urn:schemas-microsoft-com:mac:vml" xmlns="">
       <p:transition spd="slow">
         <p:fade/>
       </p:transition>
@@ -3661,7 +3673,7 @@
         <p:fade/>
       </p:transition>
     </mc:Choice>
-    <mc:Fallback xmlns="" xmlns:mv="urn:schemas-microsoft-com:mac:vml" xmlns:c="http://schemas.openxmlformats.org/drawingml/2006/chart" xmlns:dgm="http://schemas.openxmlformats.org/drawingml/2006/diagram" xmlns:o="urn:schemas-microsoft-com:office:office" xmlns:v="urn:schemas-microsoft-com:vml" xmlns:pvml="urn:schemas-microsoft-com:office:powerpoint" xmlns:com="http://schemas.openxmlformats.org/drawingml/2006/compatibility" xmlns:p15="http://schemas.microsoft.com/office/powerpoint/2012/main" xmlns:ahyp="http://schemas.microsoft.com/office/drawing/2018/hyperlinkcolor">
+    <mc:Fallback xmlns:ahyp="http://schemas.microsoft.com/office/drawing/2018/hyperlinkcolor" xmlns:p15="http://schemas.microsoft.com/office/powerpoint/2012/main" xmlns:com="http://schemas.openxmlformats.org/drawingml/2006/compatibility" xmlns:pvml="urn:schemas-microsoft-com:office:powerpoint" xmlns:v="urn:schemas-microsoft-com:vml" xmlns:o="urn:schemas-microsoft-com:office:office" xmlns:dgm="http://schemas.openxmlformats.org/drawingml/2006/diagram" xmlns:c="http://schemas.openxmlformats.org/drawingml/2006/chart" xmlns:mv="urn:schemas-microsoft-com:mac:vml" xmlns="">
       <p:transition spd="slow">
         <p:fade/>
       </p:transition>
@@ -3730,7 +3742,7 @@
               <a:buNone/>
             </a:pPr>
             <a:r>
-              <a:rPr lang="en-US" sz="4000" b="1" dirty="0" err="1">
+              <a:rPr lang="en-US" sz="4000" b="1" dirty="0">
                 <a:solidFill>
                   <a:srgbClr val="EE4C4C"/>
                 </a:solidFill>
@@ -3739,7 +3751,7 @@
                 <a:cs typeface="Century Gothic"/>
                 <a:sym typeface="Century Gothic"/>
               </a:rPr>
-              <a:t>Habilidades</a:t>
+              <a:t>Bootcamps</a:t>
             </a:r>
             <a:endParaRPr sz="4000" b="0" i="0" u="none" strike="noStrike" cap="none" dirty="0">
               <a:solidFill>
@@ -3767,8 +3779,8 @@
         </p:nvSpPr>
         <p:spPr>
           <a:xfrm>
-            <a:off x="683812" y="1685677"/>
-            <a:ext cx="7527588" cy="1439186"/>
+            <a:off x="683812" y="1685676"/>
+            <a:ext cx="7527588" cy="2242267"/>
           </a:xfrm>
           <a:prstGeom prst="rect">
             <a:avLst/>
@@ -3811,7 +3823,7 @@
                 <a:cs typeface="Calibri"/>
                 <a:sym typeface="Calibri"/>
               </a:rPr>
-              <a:t>Java Full </a:t>
+              <a:t>Full </a:t>
             </a:r>
             <a:r>
               <a:rPr lang="pt-BR" sz="2400" b="1" dirty="0" err="1">
@@ -3861,8 +3873,25 @@
               </a:rPr>
               <a:t> </a:t>
             </a:r>
+          </a:p>
+          <a:p>
+            <a:pPr marL="76200" marR="0" lvl="0" algn="l" rtl="0">
+              <a:lnSpc>
+                <a:spcPct val="100000"/>
+              </a:lnSpc>
+              <a:spcBef>
+                <a:spcPts val="0"/>
+              </a:spcBef>
+              <a:spcAft>
+                <a:spcPts val="0"/>
+              </a:spcAft>
+              <a:buClr>
+                <a:srgbClr val="040A24"/>
+              </a:buClr>
+              <a:buSzPts val="2400"/>
+            </a:pPr>
             <a:r>
-              <a:rPr lang="pt-BR" sz="1600" dirty="0">
+              <a:rPr lang="pt-BR" sz="2400" b="1" dirty="0">
                 <a:solidFill>
                   <a:srgbClr val="040A24"/>
                 </a:solidFill>
@@ -3871,7 +3900,19 @@
                 <a:cs typeface="Calibri"/>
                 <a:sym typeface="Calibri"/>
               </a:rPr>
-              <a:t>(Back-</a:t>
+              <a:t>    </a:t>
+            </a:r>
+            <a:r>
+              <a:rPr lang="pt-BR" sz="1600" dirty="0">
+                <a:solidFill>
+                  <a:srgbClr val="040A24"/>
+                </a:solidFill>
+                <a:latin typeface="Calibri"/>
+                <a:ea typeface="Calibri"/>
+                <a:cs typeface="Calibri"/>
+                <a:sym typeface="Calibri"/>
+              </a:rPr>
+              <a:t>Back-</a:t>
             </a:r>
             <a:r>
               <a:rPr lang="pt-BR" sz="1600" dirty="0" err="1">
@@ -3919,7 +3960,7 @@
                 <a:cs typeface="Calibri"/>
                 <a:sym typeface="Calibri"/>
               </a:rPr>
-              <a:t> Angular)</a:t>
+              <a:t> Angular</a:t>
             </a:r>
             <a:endParaRPr lang="pt-BR" sz="2400" dirty="0">
               <a:solidFill>
@@ -4013,6 +4054,32 @@
               </a:rPr>
               <a:t> </a:t>
             </a:r>
+            <a:endParaRPr lang="pt-BR" sz="1600" dirty="0">
+              <a:solidFill>
+                <a:srgbClr val="040A24"/>
+              </a:solidFill>
+              <a:latin typeface="Calibri"/>
+              <a:ea typeface="Calibri"/>
+              <a:cs typeface="Calibri"/>
+              <a:sym typeface="Calibri"/>
+            </a:endParaRPr>
+          </a:p>
+          <a:p>
+            <a:pPr marL="76200" marR="0" lvl="0" algn="l" rtl="0">
+              <a:lnSpc>
+                <a:spcPct val="100000"/>
+              </a:lnSpc>
+              <a:spcBef>
+                <a:spcPts val="0"/>
+              </a:spcBef>
+              <a:spcAft>
+                <a:spcPts val="0"/>
+              </a:spcAft>
+              <a:buClr>
+                <a:srgbClr val="040A24"/>
+              </a:buClr>
+              <a:buSzPts val="2400"/>
+            </a:pPr>
             <a:r>
               <a:rPr lang="pt-BR" sz="1600" dirty="0">
                 <a:solidFill>
@@ -4023,7 +4090,7 @@
                 <a:cs typeface="Calibri"/>
                 <a:sym typeface="Calibri"/>
               </a:rPr>
-              <a:t>(Android com </a:t>
+              <a:t>       Android com </a:t>
             </a:r>
             <a:r>
               <a:rPr lang="pt-BR" sz="1600" dirty="0" err="1">
@@ -4036,18 +4103,6 @@
                 <a:sym typeface="Calibri"/>
               </a:rPr>
               <a:t>Kotlin</a:t>
-            </a:r>
-            <a:r>
-              <a:rPr lang="pt-BR" sz="1600" dirty="0">
-                <a:solidFill>
-                  <a:srgbClr val="040A24"/>
-                </a:solidFill>
-                <a:latin typeface="Calibri"/>
-                <a:ea typeface="Calibri"/>
-                <a:cs typeface="Calibri"/>
-                <a:sym typeface="Calibri"/>
-              </a:rPr>
-              <a:t>)</a:t>
             </a:r>
             <a:endParaRPr sz="2400" dirty="0">
               <a:solidFill>
@@ -4077,7 +4132,7 @@
         <p:fade/>
       </p:transition>
     </mc:Choice>
-    <mc:Fallback xmlns="" xmlns:mv="urn:schemas-microsoft-com:mac:vml" xmlns:c="http://schemas.openxmlformats.org/drawingml/2006/chart" xmlns:dgm="http://schemas.openxmlformats.org/drawingml/2006/diagram" xmlns:o="urn:schemas-microsoft-com:office:office" xmlns:v="urn:schemas-microsoft-com:vml" xmlns:pvml="urn:schemas-microsoft-com:office:powerpoint" xmlns:com="http://schemas.openxmlformats.org/drawingml/2006/compatibility" xmlns:p15="http://schemas.microsoft.com/office/powerpoint/2012/main" xmlns:ahyp="http://schemas.microsoft.com/office/drawing/2018/hyperlinkcolor">
+    <mc:Fallback xmlns:ahyp="http://schemas.microsoft.com/office/drawing/2018/hyperlinkcolor" xmlns:p15="http://schemas.microsoft.com/office/powerpoint/2012/main" xmlns:com="http://schemas.openxmlformats.org/drawingml/2006/compatibility" xmlns:pvml="urn:schemas-microsoft-com:office:powerpoint" xmlns:v="urn:schemas-microsoft-com:vml" xmlns:o="urn:schemas-microsoft-com:office:office" xmlns:dgm="http://schemas.openxmlformats.org/drawingml/2006/diagram" xmlns:c="http://schemas.openxmlformats.org/drawingml/2006/chart" xmlns:mv="urn:schemas-microsoft-com:mac:vml" xmlns="">
       <p:transition spd="slow">
         <p:fade/>
       </p:transition>
@@ -4112,7 +4167,7 @@
         <p:spPr>
           <a:xfrm>
             <a:off x="1078300" y="1932167"/>
-            <a:ext cx="7133100" cy="1192696"/>
+            <a:ext cx="7133100" cy="1892410"/>
           </a:xfrm>
           <a:prstGeom prst="rect">
             <a:avLst/>
@@ -4130,7 +4185,7 @@
           <a:p>
             <a:pPr marL="361950" marR="0" lvl="0" indent="-285750" algn="l" rtl="0">
               <a:lnSpc>
-                <a:spcPct val="100000"/>
+                <a:spcPct val="150000"/>
               </a:lnSpc>
               <a:spcBef>
                 <a:spcPts val="0"/>
@@ -4161,7 +4216,7 @@
           <a:p>
             <a:pPr marL="361950" marR="0" lvl="0" indent="-285750" algn="l" rtl="0">
               <a:lnSpc>
-                <a:spcPct val="100000"/>
+                <a:spcPct val="150000"/>
               </a:lnSpc>
               <a:spcBef>
                 <a:spcPts val="0"/>
@@ -4186,13 +4241,34 @@
                 <a:cs typeface="Calibri"/>
                 <a:sym typeface="Calibri"/>
               </a:rPr>
-              <a:t>IDE escolhida</a:t>
+              <a:t>IDE Eclipse e </a:t>
             </a:r>
+            <a:r>
+              <a:rPr lang="pt-BR" sz="2400" dirty="0" err="1">
+                <a:solidFill>
+                  <a:srgbClr val="040A24"/>
+                </a:solidFill>
+                <a:latin typeface="Calibri"/>
+                <a:ea typeface="Calibri"/>
+                <a:cs typeface="Calibri"/>
+                <a:sym typeface="Calibri"/>
+              </a:rPr>
+              <a:t>VsCode</a:t>
+            </a:r>
+            <a:endParaRPr lang="pt-BR" sz="2400" dirty="0">
+              <a:solidFill>
+                <a:srgbClr val="040A24"/>
+              </a:solidFill>
+              <a:latin typeface="Calibri"/>
+              <a:ea typeface="Calibri"/>
+              <a:cs typeface="Calibri"/>
+              <a:sym typeface="Calibri"/>
+            </a:endParaRPr>
           </a:p>
           <a:p>
             <a:pPr marL="361950" marR="0" lvl="0" indent="-285750" algn="l" rtl="0">
               <a:lnSpc>
-                <a:spcPct val="100000"/>
+                <a:spcPct val="150000"/>
               </a:lnSpc>
               <a:spcBef>
                 <a:spcPts val="0"/>
@@ -4223,7 +4299,7 @@
           <a:p>
             <a:pPr marL="361950" marR="0" lvl="0" indent="-285750" algn="l" rtl="0">
               <a:lnSpc>
-                <a:spcPct val="100000"/>
+                <a:spcPct val="150000"/>
               </a:lnSpc>
               <a:spcBef>
                 <a:spcPts val="0"/>
@@ -4254,7 +4330,7 @@
           <a:p>
             <a:pPr marL="361950" marR="0" lvl="0" indent="-285750" algn="l" rtl="0">
               <a:lnSpc>
-                <a:spcPct val="100000"/>
+                <a:spcPct val="150000"/>
               </a:lnSpc>
               <a:spcBef>
                 <a:spcPts val="0"/>
@@ -4382,7 +4458,7 @@
         <p:fade/>
       </p:transition>
     </mc:Choice>
-    <mc:Fallback xmlns:ahyp="http://schemas.microsoft.com/office/drawing/2018/hyperlinkcolor" xmlns:p15="http://schemas.microsoft.com/office/powerpoint/2012/main" xmlns:com="http://schemas.openxmlformats.org/drawingml/2006/compatibility" xmlns:pvml="urn:schemas-microsoft-com:office:powerpoint" xmlns:v="urn:schemas-microsoft-com:vml" xmlns:o="urn:schemas-microsoft-com:office:office" xmlns:dgm="http://schemas.openxmlformats.org/drawingml/2006/diagram" xmlns:c="http://schemas.openxmlformats.org/drawingml/2006/chart" xmlns:mv="urn:schemas-microsoft-com:mac:vml" xmlns="">
+    <mc:Fallback xmlns="" xmlns:mv="urn:schemas-microsoft-com:mac:vml" xmlns:c="http://schemas.openxmlformats.org/drawingml/2006/chart" xmlns:dgm="http://schemas.openxmlformats.org/drawingml/2006/diagram" xmlns:o="urn:schemas-microsoft-com:office:office" xmlns:v="urn:schemas-microsoft-com:vml" xmlns:pvml="urn:schemas-microsoft-com:office:powerpoint" xmlns:com="http://schemas.openxmlformats.org/drawingml/2006/compatibility" xmlns:p15="http://schemas.microsoft.com/office/powerpoint/2012/main" xmlns:ahyp="http://schemas.microsoft.com/office/drawing/2018/hyperlinkcolor">
       <p:transition spd="slow">
         <p:fade/>
       </p:transition>
@@ -4445,8 +4521,8 @@
         </p:blipFill>
         <p:spPr bwMode="auto">
           <a:xfrm>
-            <a:off x="4584412" y="1784737"/>
-            <a:ext cx="1877713" cy="1877713"/>
+            <a:off x="3495871" y="2370380"/>
+            <a:ext cx="1678509" cy="1678509"/>
           </a:xfrm>
           <a:prstGeom prst="rect">
             <a:avLst/>
@@ -4563,7 +4639,7 @@
         </p:blipFill>
         <p:spPr>
           <a:xfrm>
-            <a:off x="841891" y="1452129"/>
+            <a:off x="861818" y="1489925"/>
             <a:ext cx="1613515" cy="1271464"/>
           </a:xfrm>
           <a:prstGeom prst="rect">
@@ -4597,7 +4673,7 @@
         </p:blipFill>
         <p:spPr>
           <a:xfrm>
-            <a:off x="1509700" y="3024216"/>
+            <a:off x="1437350" y="3039071"/>
             <a:ext cx="1802308" cy="423550"/>
           </a:xfrm>
           <a:prstGeom prst="rect">
@@ -4631,8 +4707,8 @@
         </p:blipFill>
         <p:spPr>
           <a:xfrm>
-            <a:off x="3098317" y="1621051"/>
-            <a:ext cx="1671368" cy="1009212"/>
+            <a:off x="3776869" y="1682659"/>
+            <a:ext cx="1474203" cy="899496"/>
           </a:xfrm>
           <a:prstGeom prst="rect">
             <a:avLst/>
@@ -4672,8 +4748,8 @@
         </p:blipFill>
         <p:spPr bwMode="auto">
           <a:xfrm>
-            <a:off x="3429406" y="3024216"/>
-            <a:ext cx="1671368" cy="922855"/>
+            <a:off x="5320092" y="2803135"/>
+            <a:ext cx="1546822" cy="922855"/>
           </a:xfrm>
           <a:prstGeom prst="rect">
             <a:avLst/>
@@ -4719,7 +4795,7 @@
         </p:blipFill>
         <p:spPr bwMode="auto">
           <a:xfrm>
-            <a:off x="4904789" y="3788722"/>
+            <a:off x="3917420" y="3837253"/>
             <a:ext cx="1546822" cy="773411"/>
           </a:xfrm>
           <a:prstGeom prst="rect">
@@ -4766,8 +4842,8 @@
         </p:blipFill>
         <p:spPr bwMode="auto">
           <a:xfrm>
-            <a:off x="6514598" y="3143369"/>
-            <a:ext cx="1297704" cy="1038163"/>
+            <a:off x="5691904" y="3812293"/>
+            <a:ext cx="966764" cy="773411"/>
           </a:xfrm>
           <a:prstGeom prst="rect">
             <a:avLst/>
@@ -4813,7 +4889,7 @@
         </p:blipFill>
         <p:spPr bwMode="auto">
           <a:xfrm>
-            <a:off x="6055506" y="1229500"/>
+            <a:off x="5464242" y="1405926"/>
             <a:ext cx="1297704" cy="1541261"/>
           </a:xfrm>
           <a:prstGeom prst="rect">
@@ -4860,8 +4936,55 @@
         </p:blipFill>
         <p:spPr bwMode="auto">
           <a:xfrm>
-            <a:off x="1168175" y="3919517"/>
+            <a:off x="1325286" y="3789029"/>
             <a:ext cx="2026435" cy="675957"/>
+          </a:xfrm>
+          <a:prstGeom prst="rect">
+            <a:avLst/>
+          </a:prstGeom>
+          <a:noFill/>
+          <a:extLst>
+            <a:ext uri="{909E8E84-426E-40DD-AFC4-6F175D3DCCD1}">
+              <a14:hiddenFill xmlns:a14="http://schemas.microsoft.com/office/drawing/2010/main">
+                <a:solidFill>
+                  <a:srgbClr val="FFFFFF"/>
+                </a:solidFill>
+              </a14:hiddenFill>
+            </a:ext>
+          </a:extLst>
+        </p:spPr>
+      </p:pic>
+      <p:pic>
+        <p:nvPicPr>
+          <p:cNvPr id="2" name="Picture 2">
+            <a:extLst>
+              <a:ext uri="{FF2B5EF4-FFF2-40B4-BE49-F238E27FC236}">
+                <a16:creationId xmlns:a16="http://schemas.microsoft.com/office/drawing/2014/main" id="{B893CA49-55F2-4677-B87E-0C6E8A03D8DC}"/>
+              </a:ext>
+            </a:extLst>
+          </p:cNvPr>
+          <p:cNvPicPr>
+            <a:picLocks noChangeAspect="1" noChangeArrowheads="1"/>
+          </p:cNvPicPr>
+          <p:nvPr/>
+        </p:nvPicPr>
+        <p:blipFill>
+          <a:blip r:embed="rId12">
+            <a:extLst>
+              <a:ext uri="{28A0092B-C50C-407E-A947-70E740481C1C}">
+                <a14:useLocalDpi xmlns:a14="http://schemas.microsoft.com/office/drawing/2010/main" val="0"/>
+              </a:ext>
+            </a:extLst>
+          </a:blip>
+          <a:srcRect/>
+          <a:stretch>
+            <a:fillRect/>
+          </a:stretch>
+        </p:blipFill>
+        <p:spPr bwMode="auto">
+          <a:xfrm>
+            <a:off x="2330359" y="2158605"/>
+            <a:ext cx="919728" cy="423550"/>
           </a:xfrm>
           <a:prstGeom prst="rect">
             <a:avLst/>
@@ -4889,7 +5012,7 @@
         <p:fade/>
       </p:transition>
     </mc:Choice>
-    <mc:Fallback xmlns="" xmlns:mv="urn:schemas-microsoft-com:mac:vml" xmlns:c="http://schemas.openxmlformats.org/drawingml/2006/chart" xmlns:dgm="http://schemas.openxmlformats.org/drawingml/2006/diagram" xmlns:o="urn:schemas-microsoft-com:office:office" xmlns:v="urn:schemas-microsoft-com:vml" xmlns:pvml="urn:schemas-microsoft-com:office:powerpoint" xmlns:com="http://schemas.openxmlformats.org/drawingml/2006/compatibility" xmlns:p15="http://schemas.microsoft.com/office/powerpoint/2012/main" xmlns:ahyp="http://schemas.microsoft.com/office/drawing/2018/hyperlinkcolor">
+    <mc:Fallback xmlns:ahyp="http://schemas.microsoft.com/office/drawing/2018/hyperlinkcolor" xmlns:p15="http://schemas.microsoft.com/office/powerpoint/2012/main" xmlns:com="http://schemas.openxmlformats.org/drawingml/2006/compatibility" xmlns:pvml="urn:schemas-microsoft-com:office:powerpoint" xmlns:v="urn:schemas-microsoft-com:vml" xmlns:o="urn:schemas-microsoft-com:office:office" xmlns:dgm="http://schemas.openxmlformats.org/drawingml/2006/diagram" xmlns:c="http://schemas.openxmlformats.org/drawingml/2006/chart" xmlns:mv="urn:schemas-microsoft-com:mac:vml" xmlns="">
       <p:transition spd="slow">
         <p:fade/>
       </p:transition>
@@ -5251,7 +5374,7 @@
         <p:fade/>
       </p:transition>
     </mc:Choice>
-    <mc:Fallback xmlns="" xmlns:mv="urn:schemas-microsoft-com:mac:vml" xmlns:c="http://schemas.openxmlformats.org/drawingml/2006/chart" xmlns:dgm="http://schemas.openxmlformats.org/drawingml/2006/diagram" xmlns:o="urn:schemas-microsoft-com:office:office" xmlns:v="urn:schemas-microsoft-com:vml" xmlns:pvml="urn:schemas-microsoft-com:office:powerpoint" xmlns:com="http://schemas.openxmlformats.org/drawingml/2006/compatibility" xmlns:p15="http://schemas.microsoft.com/office/powerpoint/2012/main" xmlns:ahyp="http://schemas.microsoft.com/office/drawing/2018/hyperlinkcolor">
+    <mc:Fallback xmlns:ahyp="http://schemas.microsoft.com/office/drawing/2018/hyperlinkcolor" xmlns:p15="http://schemas.microsoft.com/office/powerpoint/2012/main" xmlns:com="http://schemas.openxmlformats.org/drawingml/2006/compatibility" xmlns:pvml="urn:schemas-microsoft-com:office:powerpoint" xmlns:v="urn:schemas-microsoft-com:vml" xmlns:o="urn:schemas-microsoft-com:office:office" xmlns:dgm="http://schemas.openxmlformats.org/drawingml/2006/diagram" xmlns:c="http://schemas.openxmlformats.org/drawingml/2006/chart" xmlns:mv="urn:schemas-microsoft-com:mac:vml" xmlns="">
       <p:transition spd="slow">
         <p:fade/>
       </p:transition>

--- a/apresentacoes/Santander Dev Week.pptx
+++ b/apresentacoes/Santander Dev Week.pptx
@@ -5,7 +5,7 @@
     <p:sldMasterId id="2147483648" r:id="rId1"/>
   </p:sldMasterIdLst>
   <p:notesMasterIdLst>
-    <p:notesMasterId r:id="rId9"/>
+    <p:notesMasterId r:id="rId10"/>
   </p:notesMasterIdLst>
   <p:sldIdLst>
     <p:sldId id="276" r:id="rId2"/>
@@ -14,24 +14,25 @@
     <p:sldId id="280" r:id="rId5"/>
     <p:sldId id="278" r:id="rId6"/>
     <p:sldId id="266" r:id="rId7"/>
-    <p:sldId id="272" r:id="rId8"/>
+    <p:sldId id="281" r:id="rId8"/>
+    <p:sldId id="272" r:id="rId9"/>
   </p:sldIdLst>
   <p:sldSz cx="9144000" cy="5143500" type="screen16x9"/>
   <p:notesSz cx="6858000" cy="9144000"/>
   <p:embeddedFontLst>
     <p:embeddedFont>
       <p:font typeface="Calibri" panose="020F0502020204030204" pitchFamily="34" charset="0"/>
-      <p:regular r:id="rId10"/>
-      <p:bold r:id="rId11"/>
-      <p:italic r:id="rId12"/>
-      <p:boldItalic r:id="rId13"/>
+      <p:regular r:id="rId11"/>
+      <p:bold r:id="rId12"/>
+      <p:italic r:id="rId13"/>
+      <p:boldItalic r:id="rId14"/>
     </p:embeddedFont>
     <p:embeddedFont>
       <p:font typeface="Century Gothic" panose="020B0502020202020204" pitchFamily="34" charset="0"/>
-      <p:regular r:id="rId14"/>
-      <p:bold r:id="rId15"/>
-      <p:italic r:id="rId16"/>
-      <p:boldItalic r:id="rId17"/>
+      <p:regular r:id="rId15"/>
+      <p:bold r:id="rId16"/>
+      <p:italic r:id="rId17"/>
+      <p:boldItalic r:id="rId18"/>
     </p:embeddedFont>
   </p:embeddedFontLst>
   <p:defaultTextStyle>
@@ -279,7 +280,7 @@
       </p15:sldGuideLst>
     </p:ext>
     <p:ext uri="http://customooxmlschemas.google.com/">
-      <go:slidesCustomData xmlns:go="http://customooxmlschemas.google.com/" xmlns:ahyp="http://schemas.microsoft.com/office/drawing/2018/hyperlinkcolor" xmlns:p15="http://schemas.microsoft.com/office/powerpoint/2012/main" xmlns:p14="http://schemas.microsoft.com/office/powerpoint/2010/main" xmlns:com="http://schemas.openxmlformats.org/drawingml/2006/compatibility" xmlns:pvml="urn:schemas-microsoft-com:office:powerpoint" xmlns:v="urn:schemas-microsoft-com:vml" xmlns:o="urn:schemas-microsoft-com:office:office" xmlns:dgm="http://schemas.openxmlformats.org/drawingml/2006/diagram" xmlns:c="http://schemas.openxmlformats.org/drawingml/2006/chart" xmlns:mv="urn:schemas-microsoft-com:mac:vml" xmlns:mc="http://schemas.openxmlformats.org/markup-compatibility/2006" xmlns="" r:id="rId34" roundtripDataSignature="AMtx7mgtC6RReGa0UWk9iwQjmNzrBPMGWQ=="/>
+      <go:slidesCustomData xmlns="" xmlns:mc="http://schemas.openxmlformats.org/markup-compatibility/2006" xmlns:mv="urn:schemas-microsoft-com:mac:vml" xmlns:c="http://schemas.openxmlformats.org/drawingml/2006/chart" xmlns:dgm="http://schemas.openxmlformats.org/drawingml/2006/diagram" xmlns:o="urn:schemas-microsoft-com:office:office" xmlns:v="urn:schemas-microsoft-com:vml" xmlns:pvml="urn:schemas-microsoft-com:office:powerpoint" xmlns:com="http://schemas.openxmlformats.org/drawingml/2006/compatibility" xmlns:p14="http://schemas.microsoft.com/office/powerpoint/2010/main" xmlns:p15="http://schemas.microsoft.com/office/powerpoint/2012/main" xmlns:ahyp="http://schemas.microsoft.com/office/drawing/2018/hyperlinkcolor" xmlns:go="http://customooxmlschemas.google.com/" r:id="rId34" roundtripDataSignature="AMtx7mgtC6RReGa0UWk9iwQjmNzrBPMGWQ=="/>
     </p:ext>
   </p:extLst>
 </p:presentation>
@@ -1626,6 +1627,137 @@
 </file>
 
 <file path=ppt/notesSlides/notesSlide7.xml><?xml version="1.0" encoding="utf-8"?>
+<p:notes xmlns:a="http://schemas.openxmlformats.org/drawingml/2006/main" xmlns:r="http://schemas.openxmlformats.org/officeDocument/2006/relationships" xmlns:p="http://schemas.openxmlformats.org/presentationml/2006/main" showMasterSp="0" showMasterPhAnim="0">
+  <p:cSld>
+    <p:spTree>
+      <p:nvGrpSpPr>
+        <p:cNvPr id="1" name="Shape 129"/>
+        <p:cNvGrpSpPr/>
+        <p:nvPr/>
+      </p:nvGrpSpPr>
+      <p:grpSpPr>
+        <a:xfrm>
+          <a:off x="0" y="0"/>
+          <a:ext cx="0" cy="0"/>
+          <a:chOff x="0" y="0"/>
+          <a:chExt cx="0" cy="0"/>
+        </a:xfrm>
+      </p:grpSpPr>
+      <p:sp>
+        <p:nvSpPr>
+          <p:cNvPr id="130" name="Google Shape;130;p18:notes"/>
+          <p:cNvSpPr>
+            <a:spLocks noGrp="1" noRot="1" noChangeAspect="1"/>
+          </p:cNvSpPr>
+          <p:nvPr>
+            <p:ph type="sldImg" idx="2"/>
+          </p:nvPr>
+        </p:nvSpPr>
+        <p:spPr>
+          <a:xfrm>
+            <a:off x="381000" y="685800"/>
+            <a:ext cx="6096000" cy="3429000"/>
+          </a:xfrm>
+          <a:custGeom>
+            <a:avLst/>
+            <a:gdLst/>
+            <a:ahLst/>
+            <a:cxnLst/>
+            <a:rect l="l" t="t" r="r" b="b"/>
+            <a:pathLst>
+              <a:path w="120000" h="120000" extrusionOk="0">
+                <a:moveTo>
+                  <a:pt x="0" y="0"/>
+                </a:moveTo>
+                <a:lnTo>
+                  <a:pt x="120000" y="0"/>
+                </a:lnTo>
+                <a:lnTo>
+                  <a:pt x="120000" y="120000"/>
+                </a:lnTo>
+                <a:lnTo>
+                  <a:pt x="0" y="120000"/>
+                </a:lnTo>
+                <a:close/>
+              </a:path>
+            </a:pathLst>
+          </a:custGeom>
+          <a:noFill/>
+          <a:ln w="9525" cap="flat" cmpd="sng">
+            <a:solidFill>
+              <a:srgbClr val="000000"/>
+            </a:solidFill>
+            <a:prstDash val="solid"/>
+            <a:round/>
+            <a:headEnd type="none" w="sm" len="sm"/>
+            <a:tailEnd type="none" w="sm" len="sm"/>
+          </a:ln>
+        </p:spPr>
+      </p:sp>
+      <p:sp>
+        <p:nvSpPr>
+          <p:cNvPr id="131" name="Google Shape;131;p18:notes"/>
+          <p:cNvSpPr txBox="1">
+            <a:spLocks noGrp="1"/>
+          </p:cNvSpPr>
+          <p:nvPr>
+            <p:ph type="body" idx="1"/>
+          </p:nvPr>
+        </p:nvSpPr>
+        <p:spPr>
+          <a:xfrm>
+            <a:off x="685800" y="4343400"/>
+            <a:ext cx="5486400" cy="4114800"/>
+          </a:xfrm>
+          <a:prstGeom prst="rect">
+            <a:avLst/>
+          </a:prstGeom>
+          <a:noFill/>
+          <a:ln>
+            <a:noFill/>
+          </a:ln>
+        </p:spPr>
+        <p:txBody>
+          <a:bodyPr spcFirstLastPara="1" wrap="square" lIns="91425" tIns="91425" rIns="91425" bIns="91425" anchor="t" anchorCtr="0">
+            <a:noAutofit/>
+          </a:bodyPr>
+          <a:lstStyle/>
+          <a:p>
+            <a:pPr marL="0" lvl="0" indent="0" algn="l" rtl="0">
+              <a:lnSpc>
+                <a:spcPct val="100000"/>
+              </a:lnSpc>
+              <a:spcBef>
+                <a:spcPts val="0"/>
+              </a:spcBef>
+              <a:spcAft>
+                <a:spcPts val="0"/>
+              </a:spcAft>
+              <a:buClr>
+                <a:schemeClr val="dk1"/>
+              </a:buClr>
+              <a:buSzPts val="1100"/>
+              <a:buFont typeface="Arial"/>
+              <a:buNone/>
+            </a:pPr>
+            <a:endParaRPr/>
+          </a:p>
+        </p:txBody>
+      </p:sp>
+    </p:spTree>
+    <p:extLst>
+      <p:ext uri="{BB962C8B-B14F-4D97-AF65-F5344CB8AC3E}">
+        <p14:creationId xmlns:p14="http://schemas.microsoft.com/office/powerpoint/2010/main" val="559810667"/>
+      </p:ext>
+    </p:extLst>
+  </p:cSld>
+  <p:clrMapOvr>
+    <a:masterClrMapping/>
+  </p:clrMapOvr>
+</p:notes>
+</file>
+
+<file path=ppt/notesSlides/notesSlide8.xml><?xml version="1.0" encoding="utf-8"?>
 <p:notes xmlns:a="http://schemas.openxmlformats.org/drawingml/2006/main" xmlns:r="http://schemas.openxmlformats.org/officeDocument/2006/relationships" xmlns:p="http://schemas.openxmlformats.org/presentationml/2006/main" showMasterSp="0" showMasterPhAnim="0">
   <p:cSld>
     <p:spTree>
@@ -3475,7 +3607,7 @@
         <p:fade/>
       </p:transition>
     </mc:Choice>
-    <mc:Fallback xmlns:ahyp="http://schemas.microsoft.com/office/drawing/2018/hyperlinkcolor" xmlns:p15="http://schemas.microsoft.com/office/powerpoint/2012/main" xmlns:com="http://schemas.openxmlformats.org/drawingml/2006/compatibility" xmlns:pvml="urn:schemas-microsoft-com:office:powerpoint" xmlns:v="urn:schemas-microsoft-com:vml" xmlns:o="urn:schemas-microsoft-com:office:office" xmlns:dgm="http://schemas.openxmlformats.org/drawingml/2006/diagram" xmlns:c="http://schemas.openxmlformats.org/drawingml/2006/chart" xmlns:mv="urn:schemas-microsoft-com:mac:vml" xmlns="">
+    <mc:Fallback xmlns="" xmlns:mv="urn:schemas-microsoft-com:mac:vml" xmlns:c="http://schemas.openxmlformats.org/drawingml/2006/chart" xmlns:dgm="http://schemas.openxmlformats.org/drawingml/2006/diagram" xmlns:o="urn:schemas-microsoft-com:office:office" xmlns:v="urn:schemas-microsoft-com:vml" xmlns:pvml="urn:schemas-microsoft-com:office:powerpoint" xmlns:com="http://schemas.openxmlformats.org/drawingml/2006/compatibility" xmlns:p15="http://schemas.microsoft.com/office/powerpoint/2012/main" xmlns:ahyp="http://schemas.microsoft.com/office/drawing/2018/hyperlinkcolor">
       <p:transition spd="slow">
         <p:fade/>
       </p:transition>
@@ -3673,7 +3805,7 @@
         <p:fade/>
       </p:transition>
     </mc:Choice>
-    <mc:Fallback xmlns:ahyp="http://schemas.microsoft.com/office/drawing/2018/hyperlinkcolor" xmlns:p15="http://schemas.microsoft.com/office/powerpoint/2012/main" xmlns:com="http://schemas.openxmlformats.org/drawingml/2006/compatibility" xmlns:pvml="urn:schemas-microsoft-com:office:powerpoint" xmlns:v="urn:schemas-microsoft-com:vml" xmlns:o="urn:schemas-microsoft-com:office:office" xmlns:dgm="http://schemas.openxmlformats.org/drawingml/2006/diagram" xmlns:c="http://schemas.openxmlformats.org/drawingml/2006/chart" xmlns:mv="urn:schemas-microsoft-com:mac:vml" xmlns="">
+    <mc:Fallback xmlns="" xmlns:mv="urn:schemas-microsoft-com:mac:vml" xmlns:c="http://schemas.openxmlformats.org/drawingml/2006/chart" xmlns:dgm="http://schemas.openxmlformats.org/drawingml/2006/diagram" xmlns:o="urn:schemas-microsoft-com:office:office" xmlns:v="urn:schemas-microsoft-com:vml" xmlns:pvml="urn:schemas-microsoft-com:office:powerpoint" xmlns:com="http://schemas.openxmlformats.org/drawingml/2006/compatibility" xmlns:p15="http://schemas.microsoft.com/office/powerpoint/2012/main" xmlns:ahyp="http://schemas.microsoft.com/office/drawing/2018/hyperlinkcolor">
       <p:transition spd="slow">
         <p:fade/>
       </p:transition>
@@ -4132,7 +4264,7 @@
         <p:fade/>
       </p:transition>
     </mc:Choice>
-    <mc:Fallback xmlns:ahyp="http://schemas.microsoft.com/office/drawing/2018/hyperlinkcolor" xmlns:p15="http://schemas.microsoft.com/office/powerpoint/2012/main" xmlns:com="http://schemas.openxmlformats.org/drawingml/2006/compatibility" xmlns:pvml="urn:schemas-microsoft-com:office:powerpoint" xmlns:v="urn:schemas-microsoft-com:vml" xmlns:o="urn:schemas-microsoft-com:office:office" xmlns:dgm="http://schemas.openxmlformats.org/drawingml/2006/diagram" xmlns:c="http://schemas.openxmlformats.org/drawingml/2006/chart" xmlns:mv="urn:schemas-microsoft-com:mac:vml" xmlns="">
+    <mc:Fallback xmlns="" xmlns:mv="urn:schemas-microsoft-com:mac:vml" xmlns:c="http://schemas.openxmlformats.org/drawingml/2006/chart" xmlns:dgm="http://schemas.openxmlformats.org/drawingml/2006/diagram" xmlns:o="urn:schemas-microsoft-com:office:office" xmlns:v="urn:schemas-microsoft-com:vml" xmlns:pvml="urn:schemas-microsoft-com:office:powerpoint" xmlns:com="http://schemas.openxmlformats.org/drawingml/2006/compatibility" xmlns:p15="http://schemas.microsoft.com/office/powerpoint/2012/main" xmlns:ahyp="http://schemas.microsoft.com/office/drawing/2018/hyperlinkcolor">
       <p:transition spd="slow">
         <p:fade/>
       </p:transition>
@@ -4458,7 +4590,7 @@
         <p:fade/>
       </p:transition>
     </mc:Choice>
-    <mc:Fallback xmlns="" xmlns:mv="urn:schemas-microsoft-com:mac:vml" xmlns:c="http://schemas.openxmlformats.org/drawingml/2006/chart" xmlns:dgm="http://schemas.openxmlformats.org/drawingml/2006/diagram" xmlns:o="urn:schemas-microsoft-com:office:office" xmlns:v="urn:schemas-microsoft-com:vml" xmlns:pvml="urn:schemas-microsoft-com:office:powerpoint" xmlns:com="http://schemas.openxmlformats.org/drawingml/2006/compatibility" xmlns:p15="http://schemas.microsoft.com/office/powerpoint/2012/main" xmlns:ahyp="http://schemas.microsoft.com/office/drawing/2018/hyperlinkcolor">
+    <mc:Fallback xmlns:ahyp="http://schemas.microsoft.com/office/drawing/2018/hyperlinkcolor" xmlns:p15="http://schemas.microsoft.com/office/powerpoint/2012/main" xmlns:com="http://schemas.openxmlformats.org/drawingml/2006/compatibility" xmlns:pvml="urn:schemas-microsoft-com:office:powerpoint" xmlns:v="urn:schemas-microsoft-com:vml" xmlns:o="urn:schemas-microsoft-com:office:office" xmlns:dgm="http://schemas.openxmlformats.org/drawingml/2006/diagram" xmlns:c="http://schemas.openxmlformats.org/drawingml/2006/chart" xmlns:mv="urn:schemas-microsoft-com:mac:vml" xmlns="">
       <p:transition spd="slow">
         <p:fade/>
       </p:transition>
@@ -5012,7 +5144,7 @@
         <p:fade/>
       </p:transition>
     </mc:Choice>
-    <mc:Fallback xmlns:ahyp="http://schemas.microsoft.com/office/drawing/2018/hyperlinkcolor" xmlns:p15="http://schemas.microsoft.com/office/powerpoint/2012/main" xmlns:com="http://schemas.openxmlformats.org/drawingml/2006/compatibility" xmlns:pvml="urn:schemas-microsoft-com:office:powerpoint" xmlns:v="urn:schemas-microsoft-com:vml" xmlns:o="urn:schemas-microsoft-com:office:office" xmlns:dgm="http://schemas.openxmlformats.org/drawingml/2006/diagram" xmlns:c="http://schemas.openxmlformats.org/drawingml/2006/chart" xmlns:mv="urn:schemas-microsoft-com:mac:vml" xmlns="">
+    <mc:Fallback xmlns="" xmlns:mv="urn:schemas-microsoft-com:mac:vml" xmlns:c="http://schemas.openxmlformats.org/drawingml/2006/chart" xmlns:dgm="http://schemas.openxmlformats.org/drawingml/2006/diagram" xmlns:o="urn:schemas-microsoft-com:office:office" xmlns:v="urn:schemas-microsoft-com:vml" xmlns:pvml="urn:schemas-microsoft-com:office:powerpoint" xmlns:com="http://schemas.openxmlformats.org/drawingml/2006/compatibility" xmlns:p15="http://schemas.microsoft.com/office/powerpoint/2012/main" xmlns:ahyp="http://schemas.microsoft.com/office/drawing/2018/hyperlinkcolor">
       <p:transition spd="slow">
         <p:fade/>
       </p:transition>
@@ -5022,6 +5154,361 @@
 </file>
 
 <file path=ppt/slides/slide7.xml><?xml version="1.0" encoding="utf-8"?>
+<p:sld xmlns:a="http://schemas.openxmlformats.org/drawingml/2006/main" xmlns:r="http://schemas.openxmlformats.org/officeDocument/2006/relationships" xmlns:p="http://schemas.openxmlformats.org/presentationml/2006/main">
+  <p:cSld>
+    <p:spTree>
+      <p:nvGrpSpPr>
+        <p:cNvPr id="1" name="Shape 132"/>
+        <p:cNvGrpSpPr/>
+        <p:nvPr/>
+      </p:nvGrpSpPr>
+      <p:grpSpPr>
+        <a:xfrm>
+          <a:off x="0" y="0"/>
+          <a:ext cx="0" cy="0"/>
+          <a:chOff x="0" y="0"/>
+          <a:chExt cx="0" cy="0"/>
+        </a:xfrm>
+      </p:grpSpPr>
+      <p:sp>
+        <p:nvSpPr>
+          <p:cNvPr id="134" name="Google Shape;134;p18"/>
+          <p:cNvSpPr txBox="1"/>
+          <p:nvPr/>
+        </p:nvSpPr>
+        <p:spPr>
+          <a:xfrm>
+            <a:off x="565525" y="636550"/>
+            <a:ext cx="7410300" cy="844500"/>
+          </a:xfrm>
+          <a:prstGeom prst="rect">
+            <a:avLst/>
+          </a:prstGeom>
+          <a:noFill/>
+          <a:ln>
+            <a:noFill/>
+          </a:ln>
+        </p:spPr>
+        <p:txBody>
+          <a:bodyPr spcFirstLastPara="1" wrap="square" lIns="91425" tIns="91425" rIns="91425" bIns="91425" anchor="ctr" anchorCtr="0">
+            <a:noAutofit/>
+          </a:bodyPr>
+          <a:lstStyle/>
+          <a:p>
+            <a:pPr marL="0" marR="0" lvl="0" indent="0" algn="l" rtl="0">
+              <a:lnSpc>
+                <a:spcPct val="115000"/>
+              </a:lnSpc>
+              <a:spcBef>
+                <a:spcPts val="0"/>
+              </a:spcBef>
+              <a:spcAft>
+                <a:spcPts val="0"/>
+              </a:spcAft>
+              <a:buClr>
+                <a:srgbClr val="000000"/>
+              </a:buClr>
+              <a:buSzPts val="3200"/>
+              <a:buFont typeface="Arial"/>
+              <a:buNone/>
+            </a:pPr>
+            <a:r>
+              <a:rPr lang="en-US" sz="4000" b="1" i="0" u="none" strike="noStrike" cap="none" dirty="0" err="1">
+                <a:solidFill>
+                  <a:srgbClr val="EE4C4C"/>
+                </a:solidFill>
+                <a:latin typeface="Century Gothic"/>
+                <a:ea typeface="Century Gothic"/>
+                <a:cs typeface="Century Gothic"/>
+                <a:sym typeface="Century Gothic"/>
+              </a:rPr>
+              <a:t>Tecnologias</a:t>
+            </a:r>
+            <a:r>
+              <a:rPr lang="en-US" sz="4000" b="1" i="0" u="none" strike="noStrike" cap="none" dirty="0">
+                <a:solidFill>
+                  <a:srgbClr val="EE4C4C"/>
+                </a:solidFill>
+                <a:latin typeface="Century Gothic"/>
+                <a:ea typeface="Century Gothic"/>
+                <a:cs typeface="Century Gothic"/>
+                <a:sym typeface="Century Gothic"/>
+              </a:rPr>
+              <a:t> Front-end</a:t>
+            </a:r>
+            <a:endParaRPr sz="4000" b="0" i="0" u="none" strike="noStrike" cap="none" dirty="0">
+              <a:solidFill>
+                <a:srgbClr val="EE4C4C"/>
+              </a:solidFill>
+              <a:latin typeface="Century Gothic"/>
+              <a:ea typeface="Century Gothic"/>
+              <a:cs typeface="Century Gothic"/>
+              <a:sym typeface="Century Gothic"/>
+            </a:endParaRPr>
+          </a:p>
+        </p:txBody>
+      </p:sp>
+      <p:pic>
+        <p:nvPicPr>
+          <p:cNvPr id="3" name="Picture 2">
+            <a:extLst>
+              <a:ext uri="{FF2B5EF4-FFF2-40B4-BE49-F238E27FC236}">
+                <a16:creationId xmlns:a16="http://schemas.microsoft.com/office/drawing/2014/main" id="{7CFFC194-E3D7-4457-87CB-B860E261E2EE}"/>
+              </a:ext>
+            </a:extLst>
+          </p:cNvPr>
+          <p:cNvPicPr>
+            <a:picLocks noChangeAspect="1" noChangeArrowheads="1"/>
+          </p:cNvPicPr>
+          <p:nvPr/>
+        </p:nvPicPr>
+        <p:blipFill>
+          <a:blip r:embed="rId3">
+            <a:extLst>
+              <a:ext uri="{28A0092B-C50C-407E-A947-70E740481C1C}">
+                <a14:useLocalDpi xmlns:a14="http://schemas.microsoft.com/office/drawing/2010/main" val="0"/>
+              </a:ext>
+            </a:extLst>
+          </a:blip>
+          <a:srcRect/>
+          <a:stretch>
+            <a:fillRect/>
+          </a:stretch>
+        </p:blipFill>
+        <p:spPr bwMode="auto">
+          <a:xfrm>
+            <a:off x="636103" y="1868557"/>
+            <a:ext cx="2560321" cy="1176295"/>
+          </a:xfrm>
+          <a:prstGeom prst="rect">
+            <a:avLst/>
+          </a:prstGeom>
+          <a:noFill/>
+          <a:extLst>
+            <a:ext uri="{909E8E84-426E-40DD-AFC4-6F175D3DCCD1}">
+              <a14:hiddenFill xmlns:a14="http://schemas.microsoft.com/office/drawing/2010/main">
+                <a:solidFill>
+                  <a:srgbClr val="FFFFFF"/>
+                </a:solidFill>
+              </a14:hiddenFill>
+            </a:ext>
+          </a:extLst>
+        </p:spPr>
+      </p:pic>
+      <p:pic>
+        <p:nvPicPr>
+          <p:cNvPr id="10" name="Picture 4">
+            <a:extLst>
+              <a:ext uri="{FF2B5EF4-FFF2-40B4-BE49-F238E27FC236}">
+                <a16:creationId xmlns:a16="http://schemas.microsoft.com/office/drawing/2014/main" id="{7F94AD64-1E90-423A-BE3E-0E509C728B25}"/>
+              </a:ext>
+            </a:extLst>
+          </p:cNvPr>
+          <p:cNvPicPr>
+            <a:picLocks noChangeAspect="1" noChangeArrowheads="1"/>
+          </p:cNvPicPr>
+          <p:nvPr/>
+        </p:nvPicPr>
+        <p:blipFill>
+          <a:blip r:embed="rId4">
+            <a:extLst>
+              <a:ext uri="{28A0092B-C50C-407E-A947-70E740481C1C}">
+                <a14:useLocalDpi xmlns:a14="http://schemas.microsoft.com/office/drawing/2010/main" val="0"/>
+              </a:ext>
+            </a:extLst>
+          </a:blip>
+          <a:srcRect/>
+          <a:stretch>
+            <a:fillRect/>
+          </a:stretch>
+        </p:blipFill>
+        <p:spPr bwMode="auto">
+          <a:xfrm>
+            <a:off x="2204663" y="3591047"/>
+            <a:ext cx="991761" cy="991760"/>
+          </a:xfrm>
+          <a:prstGeom prst="rect">
+            <a:avLst/>
+          </a:prstGeom>
+          <a:noFill/>
+          <a:extLst>
+            <a:ext uri="{909E8E84-426E-40DD-AFC4-6F175D3DCCD1}">
+              <a14:hiddenFill xmlns:a14="http://schemas.microsoft.com/office/drawing/2010/main">
+                <a:solidFill>
+                  <a:srgbClr val="FFFFFF"/>
+                </a:solidFill>
+              </a14:hiddenFill>
+            </a:ext>
+          </a:extLst>
+        </p:spPr>
+      </p:pic>
+      <p:pic>
+        <p:nvPicPr>
+          <p:cNvPr id="11" name="Picture 6" descr="Node.js: O que é esse Event Loop afinal? - Waldemar Neto Waldemar Neto">
+            <a:extLst>
+              <a:ext uri="{FF2B5EF4-FFF2-40B4-BE49-F238E27FC236}">
+                <a16:creationId xmlns:a16="http://schemas.microsoft.com/office/drawing/2014/main" id="{FD664984-54F8-421A-ACA0-88574231891C}"/>
+              </a:ext>
+            </a:extLst>
+          </p:cNvPr>
+          <p:cNvPicPr>
+            <a:picLocks noChangeAspect="1" noChangeArrowheads="1"/>
+          </p:cNvPicPr>
+          <p:nvPr/>
+        </p:nvPicPr>
+        <p:blipFill>
+          <a:blip r:embed="rId5">
+            <a:extLst>
+              <a:ext uri="{28A0092B-C50C-407E-A947-70E740481C1C}">
+                <a14:useLocalDpi xmlns:a14="http://schemas.microsoft.com/office/drawing/2010/main" val="0"/>
+              </a:ext>
+            </a:extLst>
+          </a:blip>
+          <a:srcRect/>
+          <a:stretch>
+            <a:fillRect/>
+          </a:stretch>
+        </p:blipFill>
+        <p:spPr bwMode="auto">
+          <a:xfrm>
+            <a:off x="3448086" y="3488095"/>
+            <a:ext cx="1197665" cy="1197665"/>
+          </a:xfrm>
+          <a:prstGeom prst="rect">
+            <a:avLst/>
+          </a:prstGeom>
+          <a:noFill/>
+          <a:extLst>
+            <a:ext uri="{909E8E84-426E-40DD-AFC4-6F175D3DCCD1}">
+              <a14:hiddenFill xmlns:a14="http://schemas.microsoft.com/office/drawing/2010/main">
+                <a:solidFill>
+                  <a:srgbClr val="FFFFFF"/>
+                </a:solidFill>
+              </a14:hiddenFill>
+            </a:ext>
+          </a:extLst>
+        </p:spPr>
+      </p:pic>
+      <p:pic>
+        <p:nvPicPr>
+          <p:cNvPr id="1032" name="Picture 8" descr="Vscode - Home | Facebook">
+            <a:extLst>
+              <a:ext uri="{FF2B5EF4-FFF2-40B4-BE49-F238E27FC236}">
+                <a16:creationId xmlns:a16="http://schemas.microsoft.com/office/drawing/2014/main" id="{AFEA6E16-B1C7-48B4-9008-754CEA00F31F}"/>
+              </a:ext>
+            </a:extLst>
+          </p:cNvPr>
+          <p:cNvPicPr>
+            <a:picLocks noChangeAspect="1" noChangeArrowheads="1"/>
+          </p:cNvPicPr>
+          <p:nvPr/>
+        </p:nvPicPr>
+        <p:blipFill>
+          <a:blip r:embed="rId6">
+            <a:extLst>
+              <a:ext uri="{28A0092B-C50C-407E-A947-70E740481C1C}">
+                <a14:useLocalDpi xmlns:a14="http://schemas.microsoft.com/office/drawing/2010/main" val="0"/>
+              </a:ext>
+            </a:extLst>
+          </a:blip>
+          <a:srcRect/>
+          <a:stretch>
+            <a:fillRect/>
+          </a:stretch>
+        </p:blipFill>
+        <p:spPr bwMode="auto">
+          <a:xfrm>
+            <a:off x="3448086" y="1868557"/>
+            <a:ext cx="1302151" cy="1302151"/>
+          </a:xfrm>
+          <a:prstGeom prst="rect">
+            <a:avLst/>
+          </a:prstGeom>
+          <a:noFill/>
+          <a:extLst>
+            <a:ext uri="{909E8E84-426E-40DD-AFC4-6F175D3DCCD1}">
+              <a14:hiddenFill xmlns:a14="http://schemas.microsoft.com/office/drawing/2010/main">
+                <a:solidFill>
+                  <a:srgbClr val="FFFFFF"/>
+                </a:solidFill>
+              </a14:hiddenFill>
+            </a:ext>
+          </a:extLst>
+        </p:spPr>
+      </p:pic>
+      <p:pic>
+        <p:nvPicPr>
+          <p:cNvPr id="1034" name="Picture 10">
+            <a:extLst>
+              <a:ext uri="{FF2B5EF4-FFF2-40B4-BE49-F238E27FC236}">
+                <a16:creationId xmlns:a16="http://schemas.microsoft.com/office/drawing/2014/main" id="{7CDBBE09-461E-44D6-ABF8-C50C536A2F0D}"/>
+              </a:ext>
+            </a:extLst>
+          </p:cNvPr>
+          <p:cNvPicPr>
+            <a:picLocks noChangeAspect="1" noChangeArrowheads="1"/>
+          </p:cNvPicPr>
+          <p:nvPr/>
+        </p:nvPicPr>
+        <p:blipFill>
+          <a:blip r:embed="rId7">
+            <a:extLst>
+              <a:ext uri="{28A0092B-C50C-407E-A947-70E740481C1C}">
+                <a14:useLocalDpi xmlns:a14="http://schemas.microsoft.com/office/drawing/2010/main" val="0"/>
+              </a:ext>
+            </a:extLst>
+          </a:blip>
+          <a:srcRect/>
+          <a:stretch>
+            <a:fillRect/>
+          </a:stretch>
+        </p:blipFill>
+        <p:spPr bwMode="auto">
+          <a:xfrm>
+            <a:off x="1212903" y="3591047"/>
+            <a:ext cx="991760" cy="991760"/>
+          </a:xfrm>
+          <a:prstGeom prst="rect">
+            <a:avLst/>
+          </a:prstGeom>
+          <a:noFill/>
+          <a:extLst>
+            <a:ext uri="{909E8E84-426E-40DD-AFC4-6F175D3DCCD1}">
+              <a14:hiddenFill xmlns:a14="http://schemas.microsoft.com/office/drawing/2010/main">
+                <a:solidFill>
+                  <a:srgbClr val="FFFFFF"/>
+                </a:solidFill>
+              </a14:hiddenFill>
+            </a:ext>
+          </a:extLst>
+        </p:spPr>
+      </p:pic>
+    </p:spTree>
+    <p:extLst>
+      <p:ext uri="{BB962C8B-B14F-4D97-AF65-F5344CB8AC3E}">
+        <p14:creationId xmlns:p14="http://schemas.microsoft.com/office/powerpoint/2010/main" val="1334629878"/>
+      </p:ext>
+    </p:extLst>
+  </p:cSld>
+  <p:clrMapOvr>
+    <a:masterClrMapping/>
+  </p:clrMapOvr>
+  <mc:AlternateContent xmlns:mc="http://schemas.openxmlformats.org/markup-compatibility/2006" xmlns:p14="http://schemas.microsoft.com/office/powerpoint/2010/main">
+    <mc:Choice Requires="p14">
+      <p:transition spd="med" p14:dur="700">
+        <p:fade/>
+      </p:transition>
+    </mc:Choice>
+    <mc:Fallback xmlns="" xmlns:mv="urn:schemas-microsoft-com:mac:vml" xmlns:c="http://schemas.openxmlformats.org/drawingml/2006/chart" xmlns:dgm="http://schemas.openxmlformats.org/drawingml/2006/diagram" xmlns:o="urn:schemas-microsoft-com:office:office" xmlns:v="urn:schemas-microsoft-com:vml" xmlns:pvml="urn:schemas-microsoft-com:office:powerpoint" xmlns:com="http://schemas.openxmlformats.org/drawingml/2006/compatibility" xmlns:p15="http://schemas.microsoft.com/office/powerpoint/2012/main" xmlns:ahyp="http://schemas.microsoft.com/office/drawing/2018/hyperlinkcolor">
+      <p:transition spd="slow">
+        <p:fade/>
+      </p:transition>
+    </mc:Fallback>
+  </mc:AlternateContent>
+</p:sld>
+</file>
+
+<file path=ppt/slides/slide8.xml><?xml version="1.0" encoding="utf-8"?>
 <p:sld xmlns:a="http://schemas.openxmlformats.org/drawingml/2006/main" xmlns:r="http://schemas.openxmlformats.org/officeDocument/2006/relationships" xmlns:p="http://schemas.openxmlformats.org/presentationml/2006/main">
   <p:cSld>
     <p:spTree>
@@ -5374,7 +5861,7 @@
         <p:fade/>
       </p:transition>
     </mc:Choice>
-    <mc:Fallback xmlns:ahyp="http://schemas.microsoft.com/office/drawing/2018/hyperlinkcolor" xmlns:p15="http://schemas.microsoft.com/office/powerpoint/2012/main" xmlns:com="http://schemas.openxmlformats.org/drawingml/2006/compatibility" xmlns:pvml="urn:schemas-microsoft-com:office:powerpoint" xmlns:v="urn:schemas-microsoft-com:vml" xmlns:o="urn:schemas-microsoft-com:office:office" xmlns:dgm="http://schemas.openxmlformats.org/drawingml/2006/diagram" xmlns:c="http://schemas.openxmlformats.org/drawingml/2006/chart" xmlns:mv="urn:schemas-microsoft-com:mac:vml" xmlns="">
+    <mc:Fallback xmlns="" xmlns:mv="urn:schemas-microsoft-com:mac:vml" xmlns:c="http://schemas.openxmlformats.org/drawingml/2006/chart" xmlns:dgm="http://schemas.openxmlformats.org/drawingml/2006/diagram" xmlns:o="urn:schemas-microsoft-com:office:office" xmlns:v="urn:schemas-microsoft-com:vml" xmlns:pvml="urn:schemas-microsoft-com:office:powerpoint" xmlns:com="http://schemas.openxmlformats.org/drawingml/2006/compatibility" xmlns:p15="http://schemas.microsoft.com/office/powerpoint/2012/main" xmlns:ahyp="http://schemas.microsoft.com/office/drawing/2018/hyperlinkcolor">
       <p:transition spd="slow">
         <p:fade/>
       </p:transition>

--- a/apresentacoes/Santander Dev Week.pptx
+++ b/apresentacoes/Santander Dev Week.pptx
@@ -280,7 +280,7 @@
       </p15:sldGuideLst>
     </p:ext>
     <p:ext uri="http://customooxmlschemas.google.com/">
-      <go:slidesCustomData xmlns="" xmlns:mc="http://schemas.openxmlformats.org/markup-compatibility/2006" xmlns:mv="urn:schemas-microsoft-com:mac:vml" xmlns:c="http://schemas.openxmlformats.org/drawingml/2006/chart" xmlns:dgm="http://schemas.openxmlformats.org/drawingml/2006/diagram" xmlns:o="urn:schemas-microsoft-com:office:office" xmlns:v="urn:schemas-microsoft-com:vml" xmlns:pvml="urn:schemas-microsoft-com:office:powerpoint" xmlns:com="http://schemas.openxmlformats.org/drawingml/2006/compatibility" xmlns:p14="http://schemas.microsoft.com/office/powerpoint/2010/main" xmlns:p15="http://schemas.microsoft.com/office/powerpoint/2012/main" xmlns:ahyp="http://schemas.microsoft.com/office/drawing/2018/hyperlinkcolor" xmlns:go="http://customooxmlschemas.google.com/" r:id="rId34" roundtripDataSignature="AMtx7mgtC6RReGa0UWk9iwQjmNzrBPMGWQ=="/>
+      <go:slidesCustomData xmlns:go="http://customooxmlschemas.google.com/" xmlns:ahyp="http://schemas.microsoft.com/office/drawing/2018/hyperlinkcolor" xmlns:p15="http://schemas.microsoft.com/office/powerpoint/2012/main" xmlns:p14="http://schemas.microsoft.com/office/powerpoint/2010/main" xmlns:com="http://schemas.openxmlformats.org/drawingml/2006/compatibility" xmlns:pvml="urn:schemas-microsoft-com:office:powerpoint" xmlns:v="urn:schemas-microsoft-com:vml" xmlns:o="urn:schemas-microsoft-com:office:office" xmlns:dgm="http://schemas.openxmlformats.org/drawingml/2006/diagram" xmlns:c="http://schemas.openxmlformats.org/drawingml/2006/chart" xmlns:mv="urn:schemas-microsoft-com:mac:vml" xmlns:mc="http://schemas.openxmlformats.org/markup-compatibility/2006" xmlns="" r:id="rId34" roundtripDataSignature="AMtx7mgtC6RReGa0UWk9iwQjmNzrBPMGWQ=="/>
     </p:ext>
   </p:extLst>
 </p:presentation>
@@ -3607,7 +3607,7 @@
         <p:fade/>
       </p:transition>
     </mc:Choice>
-    <mc:Fallback xmlns="" xmlns:mv="urn:schemas-microsoft-com:mac:vml" xmlns:c="http://schemas.openxmlformats.org/drawingml/2006/chart" xmlns:dgm="http://schemas.openxmlformats.org/drawingml/2006/diagram" xmlns:o="urn:schemas-microsoft-com:office:office" xmlns:v="urn:schemas-microsoft-com:vml" xmlns:pvml="urn:schemas-microsoft-com:office:powerpoint" xmlns:com="http://schemas.openxmlformats.org/drawingml/2006/compatibility" xmlns:p15="http://schemas.microsoft.com/office/powerpoint/2012/main" xmlns:ahyp="http://schemas.microsoft.com/office/drawing/2018/hyperlinkcolor">
+    <mc:Fallback xmlns:ahyp="http://schemas.microsoft.com/office/drawing/2018/hyperlinkcolor" xmlns:p15="http://schemas.microsoft.com/office/powerpoint/2012/main" xmlns:com="http://schemas.openxmlformats.org/drawingml/2006/compatibility" xmlns:pvml="urn:schemas-microsoft-com:office:powerpoint" xmlns:v="urn:schemas-microsoft-com:vml" xmlns:o="urn:schemas-microsoft-com:office:office" xmlns:dgm="http://schemas.openxmlformats.org/drawingml/2006/diagram" xmlns:c="http://schemas.openxmlformats.org/drawingml/2006/chart" xmlns:mv="urn:schemas-microsoft-com:mac:vml" xmlns="">
       <p:transition spd="slow">
         <p:fade/>
       </p:transition>
@@ -3805,7 +3805,7 @@
         <p:fade/>
       </p:transition>
     </mc:Choice>
-    <mc:Fallback xmlns="" xmlns:mv="urn:schemas-microsoft-com:mac:vml" xmlns:c="http://schemas.openxmlformats.org/drawingml/2006/chart" xmlns:dgm="http://schemas.openxmlformats.org/drawingml/2006/diagram" xmlns:o="urn:schemas-microsoft-com:office:office" xmlns:v="urn:schemas-microsoft-com:vml" xmlns:pvml="urn:schemas-microsoft-com:office:powerpoint" xmlns:com="http://schemas.openxmlformats.org/drawingml/2006/compatibility" xmlns:p15="http://schemas.microsoft.com/office/powerpoint/2012/main" xmlns:ahyp="http://schemas.microsoft.com/office/drawing/2018/hyperlinkcolor">
+    <mc:Fallback xmlns:ahyp="http://schemas.microsoft.com/office/drawing/2018/hyperlinkcolor" xmlns:p15="http://schemas.microsoft.com/office/powerpoint/2012/main" xmlns:com="http://schemas.openxmlformats.org/drawingml/2006/compatibility" xmlns:pvml="urn:schemas-microsoft-com:office:powerpoint" xmlns:v="urn:schemas-microsoft-com:vml" xmlns:o="urn:schemas-microsoft-com:office:office" xmlns:dgm="http://schemas.openxmlformats.org/drawingml/2006/diagram" xmlns:c="http://schemas.openxmlformats.org/drawingml/2006/chart" xmlns:mv="urn:schemas-microsoft-com:mac:vml" xmlns="">
       <p:transition spd="slow">
         <p:fade/>
       </p:transition>
@@ -4264,7 +4264,7 @@
         <p:fade/>
       </p:transition>
     </mc:Choice>
-    <mc:Fallback xmlns="" xmlns:mv="urn:schemas-microsoft-com:mac:vml" xmlns:c="http://schemas.openxmlformats.org/drawingml/2006/chart" xmlns:dgm="http://schemas.openxmlformats.org/drawingml/2006/diagram" xmlns:o="urn:schemas-microsoft-com:office:office" xmlns:v="urn:schemas-microsoft-com:vml" xmlns:pvml="urn:schemas-microsoft-com:office:powerpoint" xmlns:com="http://schemas.openxmlformats.org/drawingml/2006/compatibility" xmlns:p15="http://schemas.microsoft.com/office/powerpoint/2012/main" xmlns:ahyp="http://schemas.microsoft.com/office/drawing/2018/hyperlinkcolor">
+    <mc:Fallback xmlns:ahyp="http://schemas.microsoft.com/office/drawing/2018/hyperlinkcolor" xmlns:p15="http://schemas.microsoft.com/office/powerpoint/2012/main" xmlns:com="http://schemas.openxmlformats.org/drawingml/2006/compatibility" xmlns:pvml="urn:schemas-microsoft-com:office:powerpoint" xmlns:v="urn:schemas-microsoft-com:vml" xmlns:o="urn:schemas-microsoft-com:office:office" xmlns:dgm="http://schemas.openxmlformats.org/drawingml/2006/diagram" xmlns:c="http://schemas.openxmlformats.org/drawingml/2006/chart" xmlns:mv="urn:schemas-microsoft-com:mac:vml" xmlns="">
       <p:transition spd="slow">
         <p:fade/>
       </p:transition>
@@ -4556,7 +4556,7 @@
               <a:buNone/>
             </a:pPr>
             <a:r>
-              <a:rPr lang="en-US" sz="4000" b="1">
+              <a:rPr lang="en-US" sz="4000" b="1" dirty="0" err="1">
                 <a:solidFill>
                   <a:srgbClr val="EE4C4C"/>
                 </a:solidFill>
@@ -4567,7 +4567,7 @@
               </a:rPr>
               <a:t>Pré-requisitos</a:t>
             </a:r>
-            <a:endParaRPr sz="4000" b="0" i="0" u="none" strike="noStrike" cap="none">
+            <a:endParaRPr sz="4000" b="0" i="0" u="none" strike="noStrike" cap="none" dirty="0">
               <a:solidFill>
                 <a:srgbClr val="EE4C4C"/>
               </a:solidFill>
@@ -4590,7 +4590,7 @@
         <p:fade/>
       </p:transition>
     </mc:Choice>
-    <mc:Fallback xmlns:ahyp="http://schemas.microsoft.com/office/drawing/2018/hyperlinkcolor" xmlns:p15="http://schemas.microsoft.com/office/powerpoint/2012/main" xmlns:com="http://schemas.openxmlformats.org/drawingml/2006/compatibility" xmlns:pvml="urn:schemas-microsoft-com:office:powerpoint" xmlns:v="urn:schemas-microsoft-com:vml" xmlns:o="urn:schemas-microsoft-com:office:office" xmlns:dgm="http://schemas.openxmlformats.org/drawingml/2006/diagram" xmlns:c="http://schemas.openxmlformats.org/drawingml/2006/chart" xmlns:mv="urn:schemas-microsoft-com:mac:vml" xmlns="">
+    <mc:Fallback xmlns="" xmlns:mv="urn:schemas-microsoft-com:mac:vml" xmlns:c="http://schemas.openxmlformats.org/drawingml/2006/chart" xmlns:dgm="http://schemas.openxmlformats.org/drawingml/2006/diagram" xmlns:o="urn:schemas-microsoft-com:office:office" xmlns:v="urn:schemas-microsoft-com:vml" xmlns:pvml="urn:schemas-microsoft-com:office:powerpoint" xmlns:com="http://schemas.openxmlformats.org/drawingml/2006/compatibility" xmlns:p15="http://schemas.microsoft.com/office/powerpoint/2012/main" xmlns:ahyp="http://schemas.microsoft.com/office/drawing/2018/hyperlinkcolor">
       <p:transition spd="slow">
         <p:fade/>
       </p:transition>
@@ -5144,7 +5144,7 @@
         <p:fade/>
       </p:transition>
     </mc:Choice>
-    <mc:Fallback xmlns="" xmlns:mv="urn:schemas-microsoft-com:mac:vml" xmlns:c="http://schemas.openxmlformats.org/drawingml/2006/chart" xmlns:dgm="http://schemas.openxmlformats.org/drawingml/2006/diagram" xmlns:o="urn:schemas-microsoft-com:office:office" xmlns:v="urn:schemas-microsoft-com:vml" xmlns:pvml="urn:schemas-microsoft-com:office:powerpoint" xmlns:com="http://schemas.openxmlformats.org/drawingml/2006/compatibility" xmlns:p15="http://schemas.microsoft.com/office/powerpoint/2012/main" xmlns:ahyp="http://schemas.microsoft.com/office/drawing/2018/hyperlinkcolor">
+    <mc:Fallback xmlns:ahyp="http://schemas.microsoft.com/office/drawing/2018/hyperlinkcolor" xmlns:p15="http://schemas.microsoft.com/office/powerpoint/2012/main" xmlns:com="http://schemas.openxmlformats.org/drawingml/2006/compatibility" xmlns:pvml="urn:schemas-microsoft-com:office:powerpoint" xmlns:v="urn:schemas-microsoft-com:vml" xmlns:o="urn:schemas-microsoft-com:office:office" xmlns:dgm="http://schemas.openxmlformats.org/drawingml/2006/diagram" xmlns:c="http://schemas.openxmlformats.org/drawingml/2006/chart" xmlns:mv="urn:schemas-microsoft-com:mac:vml" xmlns="">
       <p:transition spd="slow">
         <p:fade/>
       </p:transition>
@@ -5277,7 +5277,7 @@
         </p:blipFill>
         <p:spPr bwMode="auto">
           <a:xfrm>
-            <a:off x="636103" y="1868557"/>
+            <a:off x="1343769" y="1819235"/>
             <a:ext cx="2560321" cy="1176295"/>
           </a:xfrm>
           <a:prstGeom prst="rect">
@@ -5324,7 +5324,7 @@
         </p:blipFill>
         <p:spPr bwMode="auto">
           <a:xfrm>
-            <a:off x="2204663" y="3591047"/>
+            <a:off x="2912329" y="3385142"/>
             <a:ext cx="991761" cy="991760"/>
           </a:xfrm>
           <a:prstGeom prst="rect">
@@ -5371,7 +5371,7 @@
         </p:blipFill>
         <p:spPr bwMode="auto">
           <a:xfrm>
-            <a:off x="3448086" y="3488095"/>
+            <a:off x="4402242" y="3385142"/>
             <a:ext cx="1197665" cy="1197665"/>
           </a:xfrm>
           <a:prstGeom prst="rect">
@@ -5418,7 +5418,7 @@
         </p:blipFill>
         <p:spPr bwMode="auto">
           <a:xfrm>
-            <a:off x="3448086" y="1868557"/>
+            <a:off x="4219362" y="1693379"/>
             <a:ext cx="1302151" cy="1302151"/>
           </a:xfrm>
           <a:prstGeom prst="rect">
@@ -5465,7 +5465,7 @@
         </p:blipFill>
         <p:spPr bwMode="auto">
           <a:xfrm>
-            <a:off x="1212903" y="3591047"/>
+            <a:off x="1920569" y="3385142"/>
             <a:ext cx="991760" cy="991760"/>
           </a:xfrm>
           <a:prstGeom prst="rect">
@@ -5499,7 +5499,7 @@
         <p:fade/>
       </p:transition>
     </mc:Choice>
-    <mc:Fallback xmlns="" xmlns:mv="urn:schemas-microsoft-com:mac:vml" xmlns:c="http://schemas.openxmlformats.org/drawingml/2006/chart" xmlns:dgm="http://schemas.openxmlformats.org/drawingml/2006/diagram" xmlns:o="urn:schemas-microsoft-com:office:office" xmlns:v="urn:schemas-microsoft-com:vml" xmlns:pvml="urn:schemas-microsoft-com:office:powerpoint" xmlns:com="http://schemas.openxmlformats.org/drawingml/2006/compatibility" xmlns:p15="http://schemas.microsoft.com/office/powerpoint/2012/main" xmlns:ahyp="http://schemas.microsoft.com/office/drawing/2018/hyperlinkcolor">
+    <mc:Fallback xmlns:ahyp="http://schemas.microsoft.com/office/drawing/2018/hyperlinkcolor" xmlns:p15="http://schemas.microsoft.com/office/powerpoint/2012/main" xmlns:com="http://schemas.openxmlformats.org/drawingml/2006/compatibility" xmlns:pvml="urn:schemas-microsoft-com:office:powerpoint" xmlns:v="urn:schemas-microsoft-com:vml" xmlns:o="urn:schemas-microsoft-com:office:office" xmlns:dgm="http://schemas.openxmlformats.org/drawingml/2006/diagram" xmlns:c="http://schemas.openxmlformats.org/drawingml/2006/chart" xmlns:mv="urn:schemas-microsoft-com:mac:vml" xmlns="">
       <p:transition spd="slow">
         <p:fade/>
       </p:transition>
@@ -5861,7 +5861,7 @@
         <p:fade/>
       </p:transition>
     </mc:Choice>
-    <mc:Fallback xmlns="" xmlns:mv="urn:schemas-microsoft-com:mac:vml" xmlns:c="http://schemas.openxmlformats.org/drawingml/2006/chart" xmlns:dgm="http://schemas.openxmlformats.org/drawingml/2006/diagram" xmlns:o="urn:schemas-microsoft-com:office:office" xmlns:v="urn:schemas-microsoft-com:vml" xmlns:pvml="urn:schemas-microsoft-com:office:powerpoint" xmlns:com="http://schemas.openxmlformats.org/drawingml/2006/compatibility" xmlns:p15="http://schemas.microsoft.com/office/powerpoint/2012/main" xmlns:ahyp="http://schemas.microsoft.com/office/drawing/2018/hyperlinkcolor">
+    <mc:Fallback xmlns:ahyp="http://schemas.microsoft.com/office/drawing/2018/hyperlinkcolor" xmlns:p15="http://schemas.microsoft.com/office/powerpoint/2012/main" xmlns:com="http://schemas.openxmlformats.org/drawingml/2006/compatibility" xmlns:pvml="urn:schemas-microsoft-com:office:powerpoint" xmlns:v="urn:schemas-microsoft-com:vml" xmlns:o="urn:schemas-microsoft-com:office:office" xmlns:dgm="http://schemas.openxmlformats.org/drawingml/2006/diagram" xmlns:c="http://schemas.openxmlformats.org/drawingml/2006/chart" xmlns:mv="urn:schemas-microsoft-com:mac:vml" xmlns="">
       <p:transition spd="slow">
         <p:fade/>
       </p:transition>

--- a/apresentacoes/Santander Dev Week.pptx
+++ b/apresentacoes/Santander Dev Week.pptx
@@ -4501,7 +4501,7 @@
               </a:rPr>
               <a:t>Kotlin</a:t>
             </a:r>
-            <a:endParaRPr sz="2400" dirty="0">
+            <a:endParaRPr lang="pt-BR" sz="2400" dirty="0">
               <a:solidFill>
                 <a:srgbClr val="040A24"/>
               </a:solidFill>
@@ -5297,10 +5297,10 @@
       </p:pic>
       <p:pic>
         <p:nvPicPr>
-          <p:cNvPr id="10" name="Picture 4">
+          <p:cNvPr id="11" name="Picture 6" descr="Node.js: O que é esse Event Loop afinal? - Waldemar Neto Waldemar Neto">
             <a:extLst>
               <a:ext uri="{FF2B5EF4-FFF2-40B4-BE49-F238E27FC236}">
-                <a16:creationId xmlns:a16="http://schemas.microsoft.com/office/drawing/2014/main" id="{7F94AD64-1E90-423A-BE3E-0E509C728B25}"/>
+                <a16:creationId xmlns:a16="http://schemas.microsoft.com/office/drawing/2014/main" id="{FD664984-54F8-421A-ACA0-88574231891C}"/>
               </a:ext>
             </a:extLst>
           </p:cNvPr>
@@ -5324,8 +5324,8 @@
         </p:blipFill>
         <p:spPr bwMode="auto">
           <a:xfrm>
-            <a:off x="2912329" y="3385142"/>
-            <a:ext cx="991761" cy="991760"/>
+            <a:off x="4402242" y="3385142"/>
+            <a:ext cx="1197665" cy="1197665"/>
           </a:xfrm>
           <a:prstGeom prst="rect">
             <a:avLst/>
@@ -5344,10 +5344,10 @@
       </p:pic>
       <p:pic>
         <p:nvPicPr>
-          <p:cNvPr id="11" name="Picture 6" descr="Node.js: O que é esse Event Loop afinal? - Waldemar Neto Waldemar Neto">
+          <p:cNvPr id="1032" name="Picture 8" descr="Vscode - Home | Facebook">
             <a:extLst>
               <a:ext uri="{FF2B5EF4-FFF2-40B4-BE49-F238E27FC236}">
-                <a16:creationId xmlns:a16="http://schemas.microsoft.com/office/drawing/2014/main" id="{FD664984-54F8-421A-ACA0-88574231891C}"/>
+                <a16:creationId xmlns:a16="http://schemas.microsoft.com/office/drawing/2014/main" id="{AFEA6E16-B1C7-48B4-9008-754CEA00F31F}"/>
               </a:ext>
             </a:extLst>
           </p:cNvPr>
@@ -5371,53 +5371,6 @@
         </p:blipFill>
         <p:spPr bwMode="auto">
           <a:xfrm>
-            <a:off x="4402242" y="3385142"/>
-            <a:ext cx="1197665" cy="1197665"/>
-          </a:xfrm>
-          <a:prstGeom prst="rect">
-            <a:avLst/>
-          </a:prstGeom>
-          <a:noFill/>
-          <a:extLst>
-            <a:ext uri="{909E8E84-426E-40DD-AFC4-6F175D3DCCD1}">
-              <a14:hiddenFill xmlns:a14="http://schemas.microsoft.com/office/drawing/2010/main">
-                <a:solidFill>
-                  <a:srgbClr val="FFFFFF"/>
-                </a:solidFill>
-              </a14:hiddenFill>
-            </a:ext>
-          </a:extLst>
-        </p:spPr>
-      </p:pic>
-      <p:pic>
-        <p:nvPicPr>
-          <p:cNvPr id="1032" name="Picture 8" descr="Vscode - Home | Facebook">
-            <a:extLst>
-              <a:ext uri="{FF2B5EF4-FFF2-40B4-BE49-F238E27FC236}">
-                <a16:creationId xmlns:a16="http://schemas.microsoft.com/office/drawing/2014/main" id="{AFEA6E16-B1C7-48B4-9008-754CEA00F31F}"/>
-              </a:ext>
-            </a:extLst>
-          </p:cNvPr>
-          <p:cNvPicPr>
-            <a:picLocks noChangeAspect="1" noChangeArrowheads="1"/>
-          </p:cNvPicPr>
-          <p:nvPr/>
-        </p:nvPicPr>
-        <p:blipFill>
-          <a:blip r:embed="rId6">
-            <a:extLst>
-              <a:ext uri="{28A0092B-C50C-407E-A947-70E740481C1C}">
-                <a14:useLocalDpi xmlns:a14="http://schemas.microsoft.com/office/drawing/2010/main" val="0"/>
-              </a:ext>
-            </a:extLst>
-          </a:blip>
-          <a:srcRect/>
-          <a:stretch>
-            <a:fillRect/>
-          </a:stretch>
-        </p:blipFill>
-        <p:spPr bwMode="auto">
-          <a:xfrm>
             <a:off x="4219362" y="1693379"/>
             <a:ext cx="1302151" cy="1302151"/>
           </a:xfrm>
@@ -5436,53 +5389,121 @@
           </a:extLst>
         </p:spPr>
       </p:pic>
-      <p:pic>
-        <p:nvPicPr>
-          <p:cNvPr id="1034" name="Picture 10">
+      <p:grpSp>
+        <p:nvGrpSpPr>
+          <p:cNvPr id="2" name="Agrupar 1">
             <a:extLst>
               <a:ext uri="{FF2B5EF4-FFF2-40B4-BE49-F238E27FC236}">
-                <a16:creationId xmlns:a16="http://schemas.microsoft.com/office/drawing/2014/main" id="{7CDBBE09-461E-44D6-ABF8-C50C536A2F0D}"/>
+                <a16:creationId xmlns:a16="http://schemas.microsoft.com/office/drawing/2014/main" id="{C19E5FCC-9E9D-4593-89B3-709C3530B266}"/>
               </a:ext>
             </a:extLst>
           </p:cNvPr>
-          <p:cNvPicPr>
-            <a:picLocks noChangeAspect="1" noChangeArrowheads="1"/>
-          </p:cNvPicPr>
+          <p:cNvGrpSpPr/>
           <p:nvPr/>
-        </p:nvPicPr>
-        <p:blipFill>
-          <a:blip r:embed="rId7">
+        </p:nvGrpSpPr>
+        <p:grpSpPr>
+          <a:xfrm>
+            <a:off x="1920569" y="3385142"/>
+            <a:ext cx="1983521" cy="991760"/>
+            <a:chOff x="1920569" y="3385142"/>
+            <a:chExt cx="1983521" cy="991760"/>
+          </a:xfrm>
+        </p:grpSpPr>
+        <p:pic>
+          <p:nvPicPr>
+            <p:cNvPr id="10" name="Picture 4">
+              <a:extLst>
+                <a:ext uri="{FF2B5EF4-FFF2-40B4-BE49-F238E27FC236}">
+                  <a16:creationId xmlns:a16="http://schemas.microsoft.com/office/drawing/2014/main" id="{7F94AD64-1E90-423A-BE3E-0E509C728B25}"/>
+                </a:ext>
+              </a:extLst>
+            </p:cNvPr>
+            <p:cNvPicPr>
+              <a:picLocks noChangeAspect="1" noChangeArrowheads="1"/>
+            </p:cNvPicPr>
+            <p:nvPr/>
+          </p:nvPicPr>
+          <p:blipFill>
+            <a:blip r:embed="rId6">
+              <a:extLst>
+                <a:ext uri="{28A0092B-C50C-407E-A947-70E740481C1C}">
+                  <a14:useLocalDpi xmlns:a14="http://schemas.microsoft.com/office/drawing/2010/main" val="0"/>
+                </a:ext>
+              </a:extLst>
+            </a:blip>
+            <a:srcRect/>
+            <a:stretch>
+              <a:fillRect/>
+            </a:stretch>
+          </p:blipFill>
+          <p:spPr bwMode="auto">
+            <a:xfrm>
+              <a:off x="2912329" y="3385142"/>
+              <a:ext cx="991761" cy="991760"/>
+            </a:xfrm>
+            <a:prstGeom prst="rect">
+              <a:avLst/>
+            </a:prstGeom>
+            <a:noFill/>
             <a:extLst>
-              <a:ext uri="{28A0092B-C50C-407E-A947-70E740481C1C}">
-                <a14:useLocalDpi xmlns:a14="http://schemas.microsoft.com/office/drawing/2010/main" val="0"/>
+              <a:ext uri="{909E8E84-426E-40DD-AFC4-6F175D3DCCD1}">
+                <a14:hiddenFill xmlns:a14="http://schemas.microsoft.com/office/drawing/2010/main">
+                  <a:solidFill>
+                    <a:srgbClr val="FFFFFF"/>
+                  </a:solidFill>
+                </a14:hiddenFill>
               </a:ext>
             </a:extLst>
-          </a:blip>
-          <a:srcRect/>
-          <a:stretch>
-            <a:fillRect/>
-          </a:stretch>
-        </p:blipFill>
-        <p:spPr bwMode="auto">
-          <a:xfrm>
-            <a:off x="1920569" y="3385142"/>
-            <a:ext cx="991760" cy="991760"/>
-          </a:xfrm>
-          <a:prstGeom prst="rect">
-            <a:avLst/>
-          </a:prstGeom>
-          <a:noFill/>
-          <a:extLst>
-            <a:ext uri="{909E8E84-426E-40DD-AFC4-6F175D3DCCD1}">
-              <a14:hiddenFill xmlns:a14="http://schemas.microsoft.com/office/drawing/2010/main">
-                <a:solidFill>
-                  <a:srgbClr val="FFFFFF"/>
-                </a:solidFill>
-              </a14:hiddenFill>
-            </a:ext>
-          </a:extLst>
-        </p:spPr>
-      </p:pic>
+          </p:spPr>
+        </p:pic>
+        <p:pic>
+          <p:nvPicPr>
+            <p:cNvPr id="1034" name="Picture 10">
+              <a:extLst>
+                <a:ext uri="{FF2B5EF4-FFF2-40B4-BE49-F238E27FC236}">
+                  <a16:creationId xmlns:a16="http://schemas.microsoft.com/office/drawing/2014/main" id="{7CDBBE09-461E-44D6-ABF8-C50C536A2F0D}"/>
+                </a:ext>
+              </a:extLst>
+            </p:cNvPr>
+            <p:cNvPicPr>
+              <a:picLocks noChangeAspect="1" noChangeArrowheads="1"/>
+            </p:cNvPicPr>
+            <p:nvPr/>
+          </p:nvPicPr>
+          <p:blipFill>
+            <a:blip r:embed="rId7">
+              <a:extLst>
+                <a:ext uri="{28A0092B-C50C-407E-A947-70E740481C1C}">
+                  <a14:useLocalDpi xmlns:a14="http://schemas.microsoft.com/office/drawing/2010/main" val="0"/>
+                </a:ext>
+              </a:extLst>
+            </a:blip>
+            <a:srcRect/>
+            <a:stretch>
+              <a:fillRect/>
+            </a:stretch>
+          </p:blipFill>
+          <p:spPr bwMode="auto">
+            <a:xfrm>
+              <a:off x="1920569" y="3385142"/>
+              <a:ext cx="991760" cy="991760"/>
+            </a:xfrm>
+            <a:prstGeom prst="rect">
+              <a:avLst/>
+            </a:prstGeom>
+            <a:noFill/>
+            <a:extLst>
+              <a:ext uri="{909E8E84-426E-40DD-AFC4-6F175D3DCCD1}">
+                <a14:hiddenFill xmlns:a14="http://schemas.microsoft.com/office/drawing/2010/main">
+                  <a:solidFill>
+                    <a:srgbClr val="FFFFFF"/>
+                  </a:solidFill>
+                </a14:hiddenFill>
+              </a:ext>
+            </a:extLst>
+          </p:spPr>
+        </p:pic>
+      </p:grpSp>
     </p:spTree>
     <p:extLst>
       <p:ext uri="{BB962C8B-B14F-4D97-AF65-F5344CB8AC3E}">
